--- a/CSE2010 Advanced C programming/Reference Materials/18_InputOutput Manipulation and Files.pptx
+++ b/CSE2010 Advanced C programming/Reference Materials/18_InputOutput Manipulation and Files.pptx
@@ -346,7 +346,7 @@
           <a:p>
             <a:fld id="{F22BC6C7-5F36-4F6A-AD0A-472443C418F4}" type="datetimeFigureOut">
               <a:rPr lang="en-IN" smtClean="0"/>
-              <a:t>18-05-2021</a:t>
+              <a:t>08-06-2021</a:t>
             </a:fld>
             <a:endParaRPr lang="en-IN"/>
           </a:p>
@@ -516,7 +516,7 @@
           <a:p>
             <a:fld id="{F22BC6C7-5F36-4F6A-AD0A-472443C418F4}" type="datetimeFigureOut">
               <a:rPr lang="en-IN" smtClean="0"/>
-              <a:t>18-05-2021</a:t>
+              <a:t>08-06-2021</a:t>
             </a:fld>
             <a:endParaRPr lang="en-IN"/>
           </a:p>
@@ -696,7 +696,7 @@
           <a:p>
             <a:fld id="{F22BC6C7-5F36-4F6A-AD0A-472443C418F4}" type="datetimeFigureOut">
               <a:rPr lang="en-IN" smtClean="0"/>
-              <a:t>18-05-2021</a:t>
+              <a:t>08-06-2021</a:t>
             </a:fld>
             <a:endParaRPr lang="en-IN"/>
           </a:p>
@@ -866,7 +866,7 @@
           <a:p>
             <a:fld id="{F22BC6C7-5F36-4F6A-AD0A-472443C418F4}" type="datetimeFigureOut">
               <a:rPr lang="en-IN" smtClean="0"/>
-              <a:t>18-05-2021</a:t>
+              <a:t>08-06-2021</a:t>
             </a:fld>
             <a:endParaRPr lang="en-IN"/>
           </a:p>
@@ -1112,7 +1112,7 @@
           <a:p>
             <a:fld id="{F22BC6C7-5F36-4F6A-AD0A-472443C418F4}" type="datetimeFigureOut">
               <a:rPr lang="en-IN" smtClean="0"/>
-              <a:t>18-05-2021</a:t>
+              <a:t>08-06-2021</a:t>
             </a:fld>
             <a:endParaRPr lang="en-IN"/>
           </a:p>
@@ -1400,7 +1400,7 @@
           <a:p>
             <a:fld id="{F22BC6C7-5F36-4F6A-AD0A-472443C418F4}" type="datetimeFigureOut">
               <a:rPr lang="en-IN" smtClean="0"/>
-              <a:t>18-05-2021</a:t>
+              <a:t>08-06-2021</a:t>
             </a:fld>
             <a:endParaRPr lang="en-IN"/>
           </a:p>
@@ -1822,7 +1822,7 @@
           <a:p>
             <a:fld id="{F22BC6C7-5F36-4F6A-AD0A-472443C418F4}" type="datetimeFigureOut">
               <a:rPr lang="en-IN" smtClean="0"/>
-              <a:t>18-05-2021</a:t>
+              <a:t>08-06-2021</a:t>
             </a:fld>
             <a:endParaRPr lang="en-IN"/>
           </a:p>
@@ -1940,7 +1940,7 @@
           <a:p>
             <a:fld id="{F22BC6C7-5F36-4F6A-AD0A-472443C418F4}" type="datetimeFigureOut">
               <a:rPr lang="en-IN" smtClean="0"/>
-              <a:t>18-05-2021</a:t>
+              <a:t>08-06-2021</a:t>
             </a:fld>
             <a:endParaRPr lang="en-IN"/>
           </a:p>
@@ -2035,7 +2035,7 @@
           <a:p>
             <a:fld id="{F22BC6C7-5F36-4F6A-AD0A-472443C418F4}" type="datetimeFigureOut">
               <a:rPr lang="en-IN" smtClean="0"/>
-              <a:t>18-05-2021</a:t>
+              <a:t>08-06-2021</a:t>
             </a:fld>
             <a:endParaRPr lang="en-IN"/>
           </a:p>
@@ -2312,7 +2312,7 @@
           <a:p>
             <a:fld id="{F22BC6C7-5F36-4F6A-AD0A-472443C418F4}" type="datetimeFigureOut">
               <a:rPr lang="en-IN" smtClean="0"/>
-              <a:t>18-05-2021</a:t>
+              <a:t>08-06-2021</a:t>
             </a:fld>
             <a:endParaRPr lang="en-IN"/>
           </a:p>
@@ -2565,7 +2565,7 @@
           <a:p>
             <a:fld id="{F22BC6C7-5F36-4F6A-AD0A-472443C418F4}" type="datetimeFigureOut">
               <a:rPr lang="en-IN" smtClean="0"/>
-              <a:t>18-05-2021</a:t>
+              <a:t>08-06-2021</a:t>
             </a:fld>
             <a:endParaRPr lang="en-IN"/>
           </a:p>
@@ -2778,7 +2778,7 @@
           <a:p>
             <a:fld id="{F22BC6C7-5F36-4F6A-AD0A-472443C418F4}" type="datetimeFigureOut">
               <a:rPr lang="en-IN" smtClean="0"/>
-              <a:t>18-05-2021</a:t>
+              <a:t>08-06-2021</a:t>
             </a:fld>
             <a:endParaRPr lang="en-IN"/>
           </a:p>

--- a/CSE2010 Advanced C programming/Reference Materials/18_InputOutput Manipulation and Files.pptx
+++ b/CSE2010 Advanced C programming/Reference Materials/18_InputOutput Manipulation and Files.pptx
@@ -346,7 +346,7 @@
           <a:p>
             <a:fld id="{F22BC6C7-5F36-4F6A-AD0A-472443C418F4}" type="datetimeFigureOut">
               <a:rPr lang="en-IN" smtClean="0"/>
-              <a:t>08-06-2021</a:t>
+              <a:t>12-06-2021</a:t>
             </a:fld>
             <a:endParaRPr lang="en-IN"/>
           </a:p>
@@ -516,7 +516,7 @@
           <a:p>
             <a:fld id="{F22BC6C7-5F36-4F6A-AD0A-472443C418F4}" type="datetimeFigureOut">
               <a:rPr lang="en-IN" smtClean="0"/>
-              <a:t>08-06-2021</a:t>
+              <a:t>12-06-2021</a:t>
             </a:fld>
             <a:endParaRPr lang="en-IN"/>
           </a:p>
@@ -696,7 +696,7 @@
           <a:p>
             <a:fld id="{F22BC6C7-5F36-4F6A-AD0A-472443C418F4}" type="datetimeFigureOut">
               <a:rPr lang="en-IN" smtClean="0"/>
-              <a:t>08-06-2021</a:t>
+              <a:t>12-06-2021</a:t>
             </a:fld>
             <a:endParaRPr lang="en-IN"/>
           </a:p>
@@ -866,7 +866,7 @@
           <a:p>
             <a:fld id="{F22BC6C7-5F36-4F6A-AD0A-472443C418F4}" type="datetimeFigureOut">
               <a:rPr lang="en-IN" smtClean="0"/>
-              <a:t>08-06-2021</a:t>
+              <a:t>12-06-2021</a:t>
             </a:fld>
             <a:endParaRPr lang="en-IN"/>
           </a:p>
@@ -1112,7 +1112,7 @@
           <a:p>
             <a:fld id="{F22BC6C7-5F36-4F6A-AD0A-472443C418F4}" type="datetimeFigureOut">
               <a:rPr lang="en-IN" smtClean="0"/>
-              <a:t>08-06-2021</a:t>
+              <a:t>12-06-2021</a:t>
             </a:fld>
             <a:endParaRPr lang="en-IN"/>
           </a:p>
@@ -1400,7 +1400,7 @@
           <a:p>
             <a:fld id="{F22BC6C7-5F36-4F6A-AD0A-472443C418F4}" type="datetimeFigureOut">
               <a:rPr lang="en-IN" smtClean="0"/>
-              <a:t>08-06-2021</a:t>
+              <a:t>12-06-2021</a:t>
             </a:fld>
             <a:endParaRPr lang="en-IN"/>
           </a:p>
@@ -1822,7 +1822,7 @@
           <a:p>
             <a:fld id="{F22BC6C7-5F36-4F6A-AD0A-472443C418F4}" type="datetimeFigureOut">
               <a:rPr lang="en-IN" smtClean="0"/>
-              <a:t>08-06-2021</a:t>
+              <a:t>12-06-2021</a:t>
             </a:fld>
             <a:endParaRPr lang="en-IN"/>
           </a:p>
@@ -1940,7 +1940,7 @@
           <a:p>
             <a:fld id="{F22BC6C7-5F36-4F6A-AD0A-472443C418F4}" type="datetimeFigureOut">
               <a:rPr lang="en-IN" smtClean="0"/>
-              <a:t>08-06-2021</a:t>
+              <a:t>12-06-2021</a:t>
             </a:fld>
             <a:endParaRPr lang="en-IN"/>
           </a:p>
@@ -2035,7 +2035,7 @@
           <a:p>
             <a:fld id="{F22BC6C7-5F36-4F6A-AD0A-472443C418F4}" type="datetimeFigureOut">
               <a:rPr lang="en-IN" smtClean="0"/>
-              <a:t>08-06-2021</a:t>
+              <a:t>12-06-2021</a:t>
             </a:fld>
             <a:endParaRPr lang="en-IN"/>
           </a:p>
@@ -2312,7 +2312,7 @@
           <a:p>
             <a:fld id="{F22BC6C7-5F36-4F6A-AD0A-472443C418F4}" type="datetimeFigureOut">
               <a:rPr lang="en-IN" smtClean="0"/>
-              <a:t>08-06-2021</a:t>
+              <a:t>12-06-2021</a:t>
             </a:fld>
             <a:endParaRPr lang="en-IN"/>
           </a:p>
@@ -2565,7 +2565,7 @@
           <a:p>
             <a:fld id="{F22BC6C7-5F36-4F6A-AD0A-472443C418F4}" type="datetimeFigureOut">
               <a:rPr lang="en-IN" smtClean="0"/>
-              <a:t>08-06-2021</a:t>
+              <a:t>12-06-2021</a:t>
             </a:fld>
             <a:endParaRPr lang="en-IN"/>
           </a:p>
@@ -2778,7 +2778,7 @@
           <a:p>
             <a:fld id="{F22BC6C7-5F36-4F6A-AD0A-472443C418F4}" type="datetimeFigureOut">
               <a:rPr lang="en-IN" smtClean="0"/>
-              <a:t>08-06-2021</a:t>
+              <a:t>12-06-2021</a:t>
             </a:fld>
             <a:endParaRPr lang="en-IN"/>
           </a:p>
@@ -14308,7 +14308,7 @@
         <p:spPr>
           <a:xfrm>
             <a:off x="395536" y="1600200"/>
-            <a:ext cx="8291264" cy="4997152"/>
+            <a:ext cx="8640960" cy="4997152"/>
           </a:xfrm>
         </p:spPr>
         <p:txBody>
